--- a/database/slides/LAMB_OF_GOD_(MASS_OF_GOD'S_PEOPLE).pptx
+++ b/database/slides/LAMB_OF_GOD_(MASS_OF_GOD'S_PEOPLE).pptx
@@ -15443,12 +15443,20 @@
               <a:buSzPts val="3200"/>
             </a:pPr>
             <a:r>
+              <a:rPr lang="en-GB" sz="3250" b="1" u="sng">
+                <a:solidFill>
+                  <a:schemeClr val="lt1"/>
+                </a:solidFill>
+              </a:rPr>
+              <a:t>MASS </a:t>
+            </a:r>
+            <a:r>
               <a:rPr lang="en-GB" sz="3250" b="1" u="sng" dirty="0">
                 <a:solidFill>
                   <a:schemeClr val="lt1"/>
                 </a:solidFill>
               </a:rPr>
-              <a:t>LAMB OF GOD- MASS OF GOD’S PEOPLE</a:t>
+              <a:t>OF GOD’S PEOPLE</a:t>
             </a:r>
             <a:endParaRPr lang="en-US" sz="3250" b="1" u="sng" dirty="0">
               <a:solidFill>
